--- a/strange_brew.pptx
+++ b/strange_brew.pptx
@@ -16,8 +16,8 @@
     <p:sldId id="262" r:id="rId4"/>
     <p:sldId id="258" r:id="rId5"/>
     <p:sldId id="259" r:id="rId6"/>
-    <p:sldId id="260" r:id="rId7"/>
-    <p:sldId id="261" r:id="rId8"/>
+    <p:sldId id="263" r:id="rId7"/>
+    <p:sldId id="266" r:id="rId8"/>
   </p:sldIdLst>
   <p:sldSz cx="9144000" cy="6858000" type="screen4x3"/>
   <p:notesSz cx="6858000" cy="9144000"/>
@@ -3319,7 +3319,7 @@
         <p:spPr>
           <a:xfrm>
             <a:off x="76200" y="2782888"/>
-            <a:ext cx="8743950" cy="3959225"/>
+            <a:ext cx="9067800" cy="3959225"/>
           </a:xfrm>
         </p:spPr>
         <p:txBody>
@@ -3522,8 +3522,113 @@
           <a:bodyPr/>
           <a:lstStyle/>
           <a:p>
-            <a:pPr eaLnBrk="1" hangingPunct="1"/>
-            <a:endParaRPr lang="ru-RU" sz="2000" dirty="0"/>
+            <a:pPr marL="457200" indent="-457200">
+              <a:buFont typeface="+mj-lt"/>
+              <a:buAutoNum type="arabicPeriod"/>
+            </a:pPr>
+            <a:r>
+              <a:rPr lang="en-US" sz="2400" dirty="0"/>
+              <a:t>American-Style Pale Ale</a:t>
+            </a:r>
+          </a:p>
+          <a:p>
+            <a:pPr marL="457200" indent="-457200">
+              <a:buFont typeface="+mj-lt"/>
+              <a:buAutoNum type="arabicPeriod"/>
+            </a:pPr>
+            <a:r>
+              <a:rPr lang="en-US" sz="2400" dirty="0"/>
+              <a:t>American-Style Lager</a:t>
+            </a:r>
+          </a:p>
+          <a:p>
+            <a:pPr marL="457200" indent="-457200">
+              <a:buFont typeface="+mj-lt"/>
+              <a:buAutoNum type="arabicPeriod"/>
+            </a:pPr>
+            <a:r>
+              <a:rPr lang="en-US" sz="2400" dirty="0"/>
+              <a:t>American-Style Stout</a:t>
+            </a:r>
+          </a:p>
+          <a:p>
+            <a:pPr marL="457200" indent="-457200">
+              <a:buFont typeface="+mj-lt"/>
+              <a:buAutoNum type="arabicPeriod"/>
+            </a:pPr>
+            <a:endParaRPr lang="en-US" sz="2000" dirty="0"/>
+          </a:p>
+          <a:p>
+            <a:pPr marL="457200" indent="-457200">
+              <a:buFont typeface="+mj-lt"/>
+              <a:buAutoNum type="arabicPeriod"/>
+            </a:pPr>
+            <a:endParaRPr lang="en-US" sz="2000" dirty="0"/>
+          </a:p>
+          <a:p>
+            <a:pPr marL="457200" indent="-457200">
+              <a:buFont typeface="+mj-lt"/>
+              <a:buAutoNum type="arabicPeriod"/>
+            </a:pPr>
+            <a:endParaRPr lang="en-US" sz="2000" dirty="0"/>
+          </a:p>
+          <a:p>
+            <a:pPr marL="457200" indent="-457200">
+              <a:buFont typeface="+mj-lt"/>
+              <a:buAutoNum type="arabicPeriod"/>
+            </a:pPr>
+            <a:endParaRPr lang="en-US" sz="2000" dirty="0"/>
+          </a:p>
+          <a:p>
+            <a:pPr marL="457200" indent="-457200">
+              <a:buFont typeface="+mj-lt"/>
+              <a:buAutoNum type="arabicPeriod"/>
+            </a:pPr>
+            <a:endParaRPr lang="en-US" sz="2000" dirty="0"/>
+          </a:p>
+          <a:p>
+            <a:pPr marL="457200" indent="-457200">
+              <a:buFont typeface="+mj-lt"/>
+              <a:buAutoNum type="arabicPeriod"/>
+            </a:pPr>
+            <a:endParaRPr lang="en-US" sz="2000" dirty="0"/>
+          </a:p>
+          <a:p>
+            <a:pPr marL="457200" indent="-457200">
+              <a:buFont typeface="+mj-lt"/>
+              <a:buAutoNum type="arabicPeriod"/>
+            </a:pPr>
+            <a:endParaRPr lang="en-US" sz="2000" dirty="0"/>
+          </a:p>
+          <a:p>
+            <a:pPr marL="457200" indent="-457200">
+              <a:buFont typeface="+mj-lt"/>
+              <a:buAutoNum type="arabicPeriod"/>
+            </a:pPr>
+            <a:endParaRPr lang="en-US" sz="2000" dirty="0"/>
+          </a:p>
+          <a:p>
+            <a:pPr marL="457200" indent="-457200">
+              <a:buFont typeface="+mj-lt"/>
+              <a:buAutoNum type="arabicPeriod"/>
+            </a:pPr>
+            <a:endParaRPr lang="en-US" sz="2000" dirty="0"/>
+          </a:p>
+          <a:p>
+            <a:pPr marL="0" indent="0">
+              <a:buNone/>
+            </a:pPr>
+            <a:endParaRPr lang="en-US" sz="1200" i="1" dirty="0"/>
+          </a:p>
+          <a:p>
+            <a:pPr marL="0" indent="0">
+              <a:buNone/>
+            </a:pPr>
+            <a:r>
+              <a:rPr lang="en-US" sz="1200" i="1" dirty="0"/>
+              <a:t>https://github.com/a-prospero/strange_brew/tree/cs/coding</a:t>
+            </a:r>
+            <a:endParaRPr lang="ru-RU" sz="1200" i="1" dirty="0"/>
           </a:p>
         </p:txBody>
       </p:sp>
@@ -3554,8 +3659,8 @@
         </p:blipFill>
         <p:spPr bwMode="auto">
           <a:xfrm>
-            <a:off x="2011362" y="3429000"/>
-            <a:ext cx="6705600" cy="2483752"/>
+            <a:off x="1828801" y="2438400"/>
+            <a:ext cx="7239000" cy="3124200"/>
           </a:xfrm>
           <a:prstGeom prst="rect">
             <a:avLst/>
@@ -3654,11 +3759,125 @@
           <a:bodyPr/>
           <a:lstStyle/>
           <a:p>
+            <a:pPr marL="457200" indent="-457200" eaLnBrk="1" hangingPunct="1">
+              <a:buFont typeface="+mj-lt"/>
+              <a:buAutoNum type="arabicPeriod"/>
+            </a:pPr>
+            <a:r>
+              <a:rPr lang="en-US" sz="2400" dirty="0"/>
+              <a:t>Colorado</a:t>
+            </a:r>
+          </a:p>
+          <a:p>
+            <a:pPr marL="457200" indent="-457200" eaLnBrk="1" hangingPunct="1">
+              <a:buFont typeface="+mj-lt"/>
+              <a:buAutoNum type="arabicPeriod"/>
+            </a:pPr>
+            <a:r>
+              <a:rPr lang="en-US" sz="2400" dirty="0"/>
+              <a:t>California</a:t>
+            </a:r>
+          </a:p>
+          <a:p>
+            <a:pPr marL="457200" indent="-457200" eaLnBrk="1" hangingPunct="1">
+              <a:buFont typeface="+mj-lt"/>
+              <a:buAutoNum type="arabicPeriod"/>
+            </a:pPr>
+            <a:r>
+              <a:rPr lang="en-US" sz="2400" dirty="0"/>
+              <a:t>Michigan</a:t>
+            </a:r>
+          </a:p>
+          <a:p>
             <a:pPr eaLnBrk="1" hangingPunct="1"/>
-            <a:endParaRPr lang="ru-RU" sz="2000" dirty="0"/>
+            <a:endParaRPr lang="en-US" sz="2000" dirty="0"/>
+          </a:p>
+          <a:p>
+            <a:pPr eaLnBrk="1" hangingPunct="1"/>
+            <a:endParaRPr lang="en-US" sz="2000" dirty="0"/>
+          </a:p>
+          <a:p>
+            <a:pPr eaLnBrk="1" hangingPunct="1"/>
+            <a:endParaRPr lang="en-US" sz="2000" dirty="0"/>
+          </a:p>
+          <a:p>
+            <a:pPr eaLnBrk="1" hangingPunct="1"/>
+            <a:endParaRPr lang="en-US" sz="2000" dirty="0"/>
+          </a:p>
+          <a:p>
+            <a:pPr eaLnBrk="1" hangingPunct="1"/>
+            <a:endParaRPr lang="en-US" sz="2000" dirty="0"/>
+          </a:p>
+          <a:p>
+            <a:pPr eaLnBrk="1" hangingPunct="1"/>
+            <a:endParaRPr lang="en-US" sz="2000" dirty="0"/>
+          </a:p>
+          <a:p>
+            <a:pPr eaLnBrk="1" hangingPunct="1"/>
+            <a:endParaRPr lang="en-US" sz="2000" dirty="0"/>
+          </a:p>
+          <a:p>
+            <a:pPr eaLnBrk="1" hangingPunct="1"/>
+            <a:endParaRPr lang="en-US" sz="2000" dirty="0"/>
+          </a:p>
+          <a:p>
+            <a:pPr eaLnBrk="1" hangingPunct="1"/>
+            <a:endParaRPr lang="en-US" sz="2000" dirty="0"/>
+          </a:p>
+          <a:p>
+            <a:pPr eaLnBrk="1" hangingPunct="1"/>
+            <a:endParaRPr lang="en-US" sz="2000" dirty="0"/>
+          </a:p>
+          <a:p>
+            <a:pPr eaLnBrk="1" hangingPunct="1"/>
+            <a:endParaRPr lang="en-US" sz="2000" dirty="0"/>
+          </a:p>
+          <a:p>
+            <a:pPr marL="0" indent="0">
+              <a:buNone/>
+            </a:pPr>
+            <a:r>
+              <a:rPr lang="en-US" sz="1200" i="1" dirty="0"/>
+              <a:t>https://github.com/a-prospero/strange_brew/tree/ap/coding</a:t>
+            </a:r>
+            <a:endParaRPr lang="ru-RU" sz="1200" i="1" dirty="0"/>
           </a:p>
         </p:txBody>
       </p:sp>
+      <p:pic>
+        <p:nvPicPr>
+          <p:cNvPr id="4" name="Picture 3" descr="Chart, histogram&#10;&#10;Description automatically generated">
+            <a:extLst>
+              <a:ext uri="{FF2B5EF4-FFF2-40B4-BE49-F238E27FC236}">
+                <a16:creationId xmlns:a16="http://schemas.microsoft.com/office/drawing/2014/main" id="{B8947600-4068-4AD1-A4F4-9288C6E9C977}"/>
+              </a:ext>
+            </a:extLst>
+          </p:cNvPr>
+          <p:cNvPicPr/>
+          <p:nvPr/>
+        </p:nvPicPr>
+        <p:blipFill>
+          <a:blip r:embed="rId3" cstate="print">
+            <a:extLst>
+              <a:ext uri="{28A0092B-C50C-407E-A947-70E740481C1C}">
+                <a14:useLocalDpi xmlns:a14="http://schemas.microsoft.com/office/drawing/2010/main" val="0"/>
+              </a:ext>
+            </a:extLst>
+          </a:blip>
+          <a:stretch>
+            <a:fillRect/>
+          </a:stretch>
+        </p:blipFill>
+        <p:spPr>
+          <a:xfrm>
+            <a:off x="1752600" y="2362200"/>
+            <a:ext cx="7391399" cy="3886200"/>
+          </a:xfrm>
+          <a:prstGeom prst="rect">
+            <a:avLst/>
+          </a:prstGeom>
+        </p:spPr>
+      </p:pic>
     </p:spTree>
     <p:extLst>
       <p:ext uri="{BB962C8B-B14F-4D97-AF65-F5344CB8AC3E}">
@@ -3729,11 +3948,6 @@
               </a:rPr>
               <a:t>What are the number top cities and states for breweries?</a:t>
             </a:r>
-            <a:endParaRPr lang="ru-RU" sz="3200" dirty="0">
-              <a:solidFill>
-                <a:schemeClr val="tx1"/>
-              </a:solidFill>
-            </a:endParaRPr>
           </a:p>
         </p:txBody>
       </p:sp>
@@ -3757,11 +3971,35 @@
           <a:bodyPr/>
           <a:lstStyle/>
           <a:p>
-            <a:pPr eaLnBrk="1" hangingPunct="1"/>
-            <a:r>
-              <a:rPr lang="en-US" sz="2000" dirty="0"/>
-              <a:t>Our PowerPoint templates and backgrounds are «pre-made» presentation shells («pre-made» slides). All design backgrounds, graphics, typefaces, and colors have been created and are pre-set by an expert graphic designers which are working with some of the most prominent businesses in the world.</a:t>
-            </a:r>
+            <a:pPr marL="457200" indent="-457200" eaLnBrk="1" hangingPunct="1">
+              <a:buFont typeface="+mj-lt"/>
+              <a:buAutoNum type="arabicPeriod"/>
+            </a:pPr>
+            <a:r>
+              <a:rPr lang="en-US" sz="2400" dirty="0"/>
+              <a:t>Portland, OR</a:t>
+            </a:r>
+          </a:p>
+          <a:p>
+            <a:pPr marL="457200" indent="-457200" eaLnBrk="1" hangingPunct="1">
+              <a:buFont typeface="+mj-lt"/>
+              <a:buAutoNum type="arabicPeriod"/>
+            </a:pPr>
+            <a:r>
+              <a:rPr lang="en-US" sz="2400" dirty="0"/>
+              <a:t>Chicago, IL</a:t>
+            </a:r>
+          </a:p>
+          <a:p>
+            <a:pPr marL="457200" indent="-457200" eaLnBrk="1" hangingPunct="1">
+              <a:buFont typeface="+mj-lt"/>
+              <a:buAutoNum type="arabicPeriod"/>
+            </a:pPr>
+            <a:r>
+              <a:rPr lang="en-US" sz="2400" dirty="0"/>
+              <a:t>Seattle, WA</a:t>
+            </a:r>
+            <a:endParaRPr lang="en-US" sz="2000" dirty="0"/>
           </a:p>
           <a:p>
             <a:pPr eaLnBrk="1" hangingPunct="1"/>
@@ -3769,10 +4007,7 @@
           </a:p>
           <a:p>
             <a:pPr eaLnBrk="1" hangingPunct="1"/>
-            <a:r>
-              <a:rPr lang="en-US" sz="2000" dirty="0"/>
-              <a:t>You simply insert your text. That's it! You just can't go wrong with these templates and backgrounds!</a:t>
-            </a:r>
+            <a:endParaRPr lang="en-US" sz="2000" dirty="0"/>
           </a:p>
           <a:p>
             <a:pPr eaLnBrk="1" hangingPunct="1"/>
@@ -3780,18 +4015,94 @@
           </a:p>
           <a:p>
             <a:pPr eaLnBrk="1" hangingPunct="1"/>
-            <a:r>
-              <a:rPr lang="en-US" sz="2000" dirty="0"/>
-              <a:t>Download this template as well as our others at http://poweredtemplate.com/food-beverage-ppt-powerpoint-templates.html </a:t>
-            </a:r>
+            <a:endParaRPr lang="en-US" sz="2000" dirty="0"/>
+          </a:p>
+          <a:p>
+            <a:pPr eaLnBrk="1" hangingPunct="1"/>
+            <a:endParaRPr lang="en-US" sz="2000" dirty="0"/>
+          </a:p>
+          <a:p>
+            <a:pPr eaLnBrk="1" hangingPunct="1"/>
+            <a:endParaRPr lang="en-US" sz="2000" dirty="0"/>
+          </a:p>
+          <a:p>
+            <a:pPr eaLnBrk="1" hangingPunct="1"/>
+            <a:endParaRPr lang="en-US" sz="2000" dirty="0"/>
+          </a:p>
+          <a:p>
+            <a:pPr eaLnBrk="1" hangingPunct="1"/>
+            <a:endParaRPr lang="en-US" sz="2000" dirty="0"/>
+          </a:p>
+          <a:p>
+            <a:pPr eaLnBrk="1" hangingPunct="1"/>
+            <a:endParaRPr lang="en-US" sz="2000" dirty="0"/>
+          </a:p>
+          <a:p>
+            <a:pPr eaLnBrk="1" hangingPunct="1"/>
+            <a:endParaRPr lang="en-US" sz="2000" dirty="0"/>
+          </a:p>
+          <a:p>
+            <a:pPr marL="0" indent="0">
+              <a:buNone/>
+            </a:pPr>
+            <a:endParaRPr lang="en-US" sz="1200" i="1" dirty="0"/>
+          </a:p>
+          <a:p>
+            <a:pPr marL="0" indent="0">
+              <a:buNone/>
+            </a:pPr>
+            <a:r>
+              <a:rPr lang="en-US" sz="1200" i="1" dirty="0"/>
+              <a:t>https://github.com/a-prospero/strange_brew/tree/ap/coding</a:t>
+            </a:r>
+            <a:endParaRPr lang="ru-RU" sz="1200" i="1" dirty="0"/>
+          </a:p>
+          <a:p>
+            <a:pPr marL="0" indent="0" eaLnBrk="1" hangingPunct="1">
+              <a:buNone/>
+            </a:pPr>
             <a:endParaRPr lang="ru-RU" sz="2000" dirty="0"/>
           </a:p>
         </p:txBody>
       </p:sp>
+      <p:pic>
+        <p:nvPicPr>
+          <p:cNvPr id="5" name="Picture 4" descr="Chart, bar chart, histogram&#10;&#10;Description automatically generated">
+            <a:extLst>
+              <a:ext uri="{FF2B5EF4-FFF2-40B4-BE49-F238E27FC236}">
+                <a16:creationId xmlns:a16="http://schemas.microsoft.com/office/drawing/2014/main" id="{74C573FE-BD8B-450C-A2D6-A66159860422}"/>
+              </a:ext>
+            </a:extLst>
+          </p:cNvPr>
+          <p:cNvPicPr/>
+          <p:nvPr/>
+        </p:nvPicPr>
+        <p:blipFill>
+          <a:blip r:embed="rId3" cstate="print">
+            <a:extLst>
+              <a:ext uri="{28A0092B-C50C-407E-A947-70E740481C1C}">
+                <a14:useLocalDpi xmlns:a14="http://schemas.microsoft.com/office/drawing/2010/main" val="0"/>
+              </a:ext>
+            </a:extLst>
+          </a:blip>
+          <a:stretch>
+            <a:fillRect/>
+          </a:stretch>
+        </p:blipFill>
+        <p:spPr>
+          <a:xfrm>
+            <a:off x="1752601" y="2438400"/>
+            <a:ext cx="7391400" cy="3581400"/>
+          </a:xfrm>
+          <a:prstGeom prst="rect">
+            <a:avLst/>
+          </a:prstGeom>
+        </p:spPr>
+      </p:pic>
     </p:spTree>
     <p:extLst>
       <p:ext uri="{BB962C8B-B14F-4D97-AF65-F5344CB8AC3E}">
-        <p14:creationId xmlns:p14="http://schemas.microsoft.com/office/powerpoint/2010/main" val="530226439"/>
+        <p14:creationId xmlns:p14="http://schemas.microsoft.com/office/powerpoint/2010/main" val="3004910128"/>
       </p:ext>
     </p:extLst>
   </p:cSld>
@@ -3850,20 +4161,14 @@
           <a:bodyPr/>
           <a:lstStyle/>
           <a:p>
-            <a:pPr eaLnBrk="1" hangingPunct="1"/>
-            <a:r>
-              <a:rPr lang="en-US">
+            <a:r>
+              <a:rPr lang="en-US" sz="3200" dirty="0">
                 <a:solidFill>
                   <a:schemeClr val="tx1"/>
                 </a:solidFill>
               </a:rPr>
-              <a:t>Print Slide Master</a:t>
-            </a:r>
-            <a:endParaRPr lang="ru-RU">
-              <a:solidFill>
-                <a:schemeClr val="tx1"/>
-              </a:solidFill>
-            </a:endParaRPr>
+              <a:t>What are the cities with the most breweries per person?</a:t>
+            </a:r>
           </a:p>
         </p:txBody>
       </p:sp>
@@ -3889,39 +4194,128 @@
           <a:p>
             <a:pPr eaLnBrk="1" hangingPunct="1"/>
             <a:r>
-              <a:rPr lang="en-US" sz="2000"/>
-              <a:t>Our PowerPoint templates and backgrounds are «pre-made» presentation shells («pre-made» slides). All design backgrounds, graphics, typefaces, and colors have been created and are pre-set by an expert graphic designers which are working with some of the most prominent businesses in the world.</a:t>
+              <a:rPr lang="en-US" sz="2400" dirty="0"/>
+              <a:t>Brooklyn</a:t>
             </a:r>
           </a:p>
           <a:p>
             <a:pPr eaLnBrk="1" hangingPunct="1"/>
-            <a:endParaRPr lang="en-US" sz="2000"/>
+            <a:r>
+              <a:rPr lang="en-US" sz="2400" dirty="0"/>
+              <a:t>San Antonio</a:t>
+            </a:r>
           </a:p>
           <a:p>
             <a:pPr eaLnBrk="1" hangingPunct="1"/>
             <a:r>
-              <a:rPr lang="en-US" sz="2000"/>
-              <a:t>You simply insert your text. That's it! You just can't go wrong with these templates and backgrounds!</a:t>
+              <a:rPr lang="en-US" sz="2400" dirty="0"/>
+              <a:t>Chicago</a:t>
             </a:r>
           </a:p>
           <a:p>
             <a:pPr eaLnBrk="1" hangingPunct="1"/>
-            <a:endParaRPr lang="en-US" sz="2000"/>
+            <a:endParaRPr lang="en-US" sz="2000" dirty="0"/>
           </a:p>
           <a:p>
             <a:pPr eaLnBrk="1" hangingPunct="1"/>
-            <a:r>
-              <a:rPr lang="en-US" sz="2000"/>
-              <a:t>Download this template as well as our others at http://poweredtemplate.com/food-beverage-ppt-powerpoint-templates.html </a:t>
-            </a:r>
-            <a:endParaRPr lang="ru-RU" sz="2000"/>
+            <a:endParaRPr lang="en-US" sz="2000" dirty="0"/>
+          </a:p>
+          <a:p>
+            <a:pPr eaLnBrk="1" hangingPunct="1"/>
+            <a:endParaRPr lang="en-US" sz="2000" dirty="0"/>
+          </a:p>
+          <a:p>
+            <a:pPr eaLnBrk="1" hangingPunct="1"/>
+            <a:endParaRPr lang="en-US" sz="2000" dirty="0"/>
+          </a:p>
+          <a:p>
+            <a:pPr eaLnBrk="1" hangingPunct="1"/>
+            <a:endParaRPr lang="en-US" sz="2000" dirty="0"/>
+          </a:p>
+          <a:p>
+            <a:pPr eaLnBrk="1" hangingPunct="1"/>
+            <a:endParaRPr lang="en-US" sz="2000" dirty="0"/>
+          </a:p>
+          <a:p>
+            <a:pPr eaLnBrk="1" hangingPunct="1"/>
+            <a:endParaRPr lang="en-US" sz="2000" dirty="0"/>
+          </a:p>
+          <a:p>
+            <a:pPr eaLnBrk="1" hangingPunct="1"/>
+            <a:endParaRPr lang="en-US" sz="2000" dirty="0"/>
+          </a:p>
+          <a:p>
+            <a:pPr eaLnBrk="1" hangingPunct="1"/>
+            <a:endParaRPr lang="en-US" sz="2000" dirty="0"/>
+          </a:p>
+          <a:p>
+            <a:pPr marL="0" indent="0">
+              <a:buNone/>
+            </a:pPr>
+            <a:endParaRPr lang="en-US" sz="1200" i="1" dirty="0"/>
+          </a:p>
+          <a:p>
+            <a:pPr marL="0" indent="0">
+              <a:buNone/>
+            </a:pPr>
+            <a:endParaRPr lang="en-US" sz="1200" i="1" dirty="0"/>
+          </a:p>
+          <a:p>
+            <a:pPr marL="0" indent="0">
+              <a:buNone/>
+            </a:pPr>
+            <a:endParaRPr lang="en-US" sz="1200" i="1" dirty="0"/>
+          </a:p>
+          <a:p>
+            <a:pPr marL="0" indent="0">
+              <a:buNone/>
+            </a:pPr>
+            <a:r>
+              <a:rPr lang="en-US" sz="1200" i="1" dirty="0"/>
+              <a:t>https://github.com/a-prospero/strange_brew/tree/pr/coding</a:t>
+            </a:r>
+            <a:endParaRPr lang="ru-RU" sz="1200" i="1" dirty="0"/>
           </a:p>
         </p:txBody>
       </p:sp>
+      <p:pic>
+        <p:nvPicPr>
+          <p:cNvPr id="5" name="Picture 4" descr="Chart, histogram&#10;&#10;Description automatically generated">
+            <a:extLst>
+              <a:ext uri="{FF2B5EF4-FFF2-40B4-BE49-F238E27FC236}">
+                <a16:creationId xmlns:a16="http://schemas.microsoft.com/office/drawing/2014/main" id="{D850AEE3-78AF-4CF4-8904-7B6AFA4719B6}"/>
+              </a:ext>
+            </a:extLst>
+          </p:cNvPr>
+          <p:cNvPicPr/>
+          <p:nvPr/>
+        </p:nvPicPr>
+        <p:blipFill>
+          <a:blip r:embed="rId3">
+            <a:extLst>
+              <a:ext uri="{28A0092B-C50C-407E-A947-70E740481C1C}">
+                <a14:useLocalDpi xmlns:a14="http://schemas.microsoft.com/office/drawing/2010/main" val="0"/>
+              </a:ext>
+            </a:extLst>
+          </a:blip>
+          <a:stretch>
+            <a:fillRect/>
+          </a:stretch>
+        </p:blipFill>
+        <p:spPr>
+          <a:xfrm>
+            <a:off x="2327275" y="2362200"/>
+            <a:ext cx="5715000" cy="3962400"/>
+          </a:xfrm>
+          <a:prstGeom prst="rect">
+            <a:avLst/>
+          </a:prstGeom>
+        </p:spPr>
+      </p:pic>
     </p:spTree>
     <p:extLst>
       <p:ext uri="{BB962C8B-B14F-4D97-AF65-F5344CB8AC3E}">
-        <p14:creationId xmlns:p14="http://schemas.microsoft.com/office/powerpoint/2010/main" val="1112804188"/>
+        <p14:creationId xmlns:p14="http://schemas.microsoft.com/office/powerpoint/2010/main" val="1507043418"/>
       </p:ext>
     </p:extLst>
   </p:cSld>

--- a/strange_brew.pptx
+++ b/strange_brew.pptx
@@ -4195,22 +4195,23 @@
             <a:pPr eaLnBrk="1" hangingPunct="1"/>
             <a:r>
               <a:rPr lang="en-US" sz="2400" dirty="0"/>
-              <a:t>Brooklyn</a:t>
+              <a:t>Edwards, CO</a:t>
             </a:r>
           </a:p>
           <a:p>
             <a:pPr eaLnBrk="1" hangingPunct="1"/>
             <a:r>
               <a:rPr lang="en-US" sz="2400" dirty="0"/>
-              <a:t>San Antonio</a:t>
+              <a:t>Traverse City, MI</a:t>
             </a:r>
           </a:p>
           <a:p>
             <a:pPr eaLnBrk="1" hangingPunct="1"/>
             <a:r>
-              <a:rPr lang="en-US" sz="2400" dirty="0"/>
-              <a:t>Chicago</a:t>
-            </a:r>
+              <a:rPr lang="en-US" sz="2400"/>
+              <a:t>Stevens Point, WI</a:t>
+            </a:r>
+            <a:endParaRPr lang="en-US" sz="2400" dirty="0"/>
           </a:p>
           <a:p>
             <a:pPr eaLnBrk="1" hangingPunct="1"/>
